--- a/Chapter7/Figures/Fig9.pptx
+++ b/Chapter7/Figures/Fig9.pptx
@@ -288,7 +288,7 @@
           <a:p>
             <a:fld id="{7246F727-76E0-4741-A660-AFB953E7A765}" type="datetimeFigureOut">
               <a:rPr lang="en-GB" smtClean="0"/>
-              <a:t>02/06/2014</a:t>
+              <a:t>10/09/2014</a:t>
             </a:fld>
             <a:endParaRPr lang="en-GB"/>
           </a:p>
@@ -458,7 +458,7 @@
           <a:p>
             <a:fld id="{7246F727-76E0-4741-A660-AFB953E7A765}" type="datetimeFigureOut">
               <a:rPr lang="en-GB" smtClean="0"/>
-              <a:t>02/06/2014</a:t>
+              <a:t>10/09/2014</a:t>
             </a:fld>
             <a:endParaRPr lang="en-GB"/>
           </a:p>
@@ -638,7 +638,7 @@
           <a:p>
             <a:fld id="{7246F727-76E0-4741-A660-AFB953E7A765}" type="datetimeFigureOut">
               <a:rPr lang="en-GB" smtClean="0"/>
-              <a:t>02/06/2014</a:t>
+              <a:t>10/09/2014</a:t>
             </a:fld>
             <a:endParaRPr lang="en-GB"/>
           </a:p>
@@ -808,7 +808,7 @@
           <a:p>
             <a:fld id="{7246F727-76E0-4741-A660-AFB953E7A765}" type="datetimeFigureOut">
               <a:rPr lang="en-GB" smtClean="0"/>
-              <a:t>02/06/2014</a:t>
+              <a:t>10/09/2014</a:t>
             </a:fld>
             <a:endParaRPr lang="en-GB"/>
           </a:p>
@@ -1054,7 +1054,7 @@
           <a:p>
             <a:fld id="{7246F727-76E0-4741-A660-AFB953E7A765}" type="datetimeFigureOut">
               <a:rPr lang="en-GB" smtClean="0"/>
-              <a:t>02/06/2014</a:t>
+              <a:t>10/09/2014</a:t>
             </a:fld>
             <a:endParaRPr lang="en-GB"/>
           </a:p>
@@ -1342,7 +1342,7 @@
           <a:p>
             <a:fld id="{7246F727-76E0-4741-A660-AFB953E7A765}" type="datetimeFigureOut">
               <a:rPr lang="en-GB" smtClean="0"/>
-              <a:t>02/06/2014</a:t>
+              <a:t>10/09/2014</a:t>
             </a:fld>
             <a:endParaRPr lang="en-GB"/>
           </a:p>
@@ -1764,7 +1764,7 @@
           <a:p>
             <a:fld id="{7246F727-76E0-4741-A660-AFB953E7A765}" type="datetimeFigureOut">
               <a:rPr lang="en-GB" smtClean="0"/>
-              <a:t>02/06/2014</a:t>
+              <a:t>10/09/2014</a:t>
             </a:fld>
             <a:endParaRPr lang="en-GB"/>
           </a:p>
@@ -1882,7 +1882,7 @@
           <a:p>
             <a:fld id="{7246F727-76E0-4741-A660-AFB953E7A765}" type="datetimeFigureOut">
               <a:rPr lang="en-GB" smtClean="0"/>
-              <a:t>02/06/2014</a:t>
+              <a:t>10/09/2014</a:t>
             </a:fld>
             <a:endParaRPr lang="en-GB"/>
           </a:p>
@@ -1977,7 +1977,7 @@
           <a:p>
             <a:fld id="{7246F727-76E0-4741-A660-AFB953E7A765}" type="datetimeFigureOut">
               <a:rPr lang="en-GB" smtClean="0"/>
-              <a:t>02/06/2014</a:t>
+              <a:t>10/09/2014</a:t>
             </a:fld>
             <a:endParaRPr lang="en-GB"/>
           </a:p>
@@ -2254,7 +2254,7 @@
           <a:p>
             <a:fld id="{7246F727-76E0-4741-A660-AFB953E7A765}" type="datetimeFigureOut">
               <a:rPr lang="en-GB" smtClean="0"/>
-              <a:t>02/06/2014</a:t>
+              <a:t>10/09/2014</a:t>
             </a:fld>
             <a:endParaRPr lang="en-GB"/>
           </a:p>
@@ -2507,7 +2507,7 @@
           <a:p>
             <a:fld id="{7246F727-76E0-4741-A660-AFB953E7A765}" type="datetimeFigureOut">
               <a:rPr lang="en-GB" smtClean="0"/>
-              <a:t>02/06/2014</a:t>
+              <a:t>10/09/2014</a:t>
             </a:fld>
             <a:endParaRPr lang="en-GB"/>
           </a:p>
@@ -2720,7 +2720,7 @@
           <a:p>
             <a:fld id="{7246F727-76E0-4741-A660-AFB953E7A765}" type="datetimeFigureOut">
               <a:rPr lang="en-GB" smtClean="0"/>
-              <a:t>02/06/2014</a:t>
+              <a:t>10/09/2014</a:t>
             </a:fld>
             <a:endParaRPr lang="en-GB"/>
           </a:p>
@@ -4113,6 +4113,103 @@
           </a:p>
         </p:txBody>
       </p:sp>
+      <p:sp>
+        <p:nvSpPr>
+          <p:cNvPr id="5" name="Freeform 4"/>
+          <p:cNvSpPr/>
+          <p:nvPr/>
+        </p:nvSpPr>
+        <p:spPr>
+          <a:xfrm>
+            <a:off x="433449" y="1044327"/>
+            <a:ext cx="827051" cy="2870321"/>
+          </a:xfrm>
+          <a:custGeom>
+            <a:avLst/>
+            <a:gdLst>
+              <a:gd name="connsiteX0" fmla="*/ 374073 w 374073"/>
+              <a:gd name="connsiteY0" fmla="*/ 475013 h 475013"/>
+              <a:gd name="connsiteX1" fmla="*/ 0 w 374073"/>
+              <a:gd name="connsiteY1" fmla="*/ 475013 h 475013"/>
+              <a:gd name="connsiteX2" fmla="*/ 0 w 374073"/>
+              <a:gd name="connsiteY2" fmla="*/ 0 h 475013"/>
+              <a:gd name="connsiteX3" fmla="*/ 362198 w 374073"/>
+              <a:gd name="connsiteY3" fmla="*/ 0 h 475013"/>
+              <a:gd name="connsiteX0" fmla="*/ 374073 w 374073"/>
+              <a:gd name="connsiteY0" fmla="*/ 475013 h 475013"/>
+              <a:gd name="connsiteX1" fmla="*/ 0 w 374073"/>
+              <a:gd name="connsiteY1" fmla="*/ 475013 h 475013"/>
+              <a:gd name="connsiteX2" fmla="*/ 0 w 374073"/>
+              <a:gd name="connsiteY2" fmla="*/ 0 h 475013"/>
+              <a:gd name="connsiteX3" fmla="*/ 169942 w 374073"/>
+              <a:gd name="connsiteY3" fmla="*/ 0 h 475013"/>
+            </a:gdLst>
+            <a:ahLst/>
+            <a:cxnLst>
+              <a:cxn ang="0">
+                <a:pos x="connsiteX0" y="connsiteY0"/>
+              </a:cxn>
+              <a:cxn ang="0">
+                <a:pos x="connsiteX1" y="connsiteY1"/>
+              </a:cxn>
+              <a:cxn ang="0">
+                <a:pos x="connsiteX2" y="connsiteY2"/>
+              </a:cxn>
+              <a:cxn ang="0">
+                <a:pos x="connsiteX3" y="connsiteY3"/>
+              </a:cxn>
+            </a:cxnLst>
+            <a:rect l="l" t="t" r="r" b="b"/>
+            <a:pathLst>
+              <a:path w="374073" h="475013">
+                <a:moveTo>
+                  <a:pt x="374073" y="475013"/>
+                </a:moveTo>
+                <a:lnTo>
+                  <a:pt x="0" y="475013"/>
+                </a:lnTo>
+                <a:lnTo>
+                  <a:pt x="0" y="0"/>
+                </a:lnTo>
+                <a:lnTo>
+                  <a:pt x="169942" y="0"/>
+                </a:lnTo>
+              </a:path>
+            </a:pathLst>
+          </a:custGeom>
+          <a:noFill/>
+          <a:ln w="12700">
+            <a:solidFill>
+              <a:schemeClr val="tx1"/>
+            </a:solidFill>
+            <a:tailEnd type="triangle" w="sm" len="med"/>
+          </a:ln>
+        </p:spPr>
+        <p:style>
+          <a:lnRef idx="2">
+            <a:schemeClr val="accent1">
+              <a:shade val="50000"/>
+            </a:schemeClr>
+          </a:lnRef>
+          <a:fillRef idx="1">
+            <a:schemeClr val="accent1"/>
+          </a:fillRef>
+          <a:effectRef idx="0">
+            <a:schemeClr val="accent1"/>
+          </a:effectRef>
+          <a:fontRef idx="minor">
+            <a:schemeClr val="lt1"/>
+          </a:fontRef>
+        </p:style>
+        <p:txBody>
+          <a:bodyPr rtlCol="0" anchor="ctr"/>
+          <a:lstStyle/>
+          <a:p>
+            <a:pPr algn="ctr"/>
+            <a:endParaRPr lang="en-GB"/>
+          </a:p>
+        </p:txBody>
+      </p:sp>
     </p:spTree>
     <p:extLst>
       <p:ext uri="{BB962C8B-B14F-4D97-AF65-F5344CB8AC3E}">

--- a/Chapter7/Figures/Fig9.pptx
+++ b/Chapter7/Figures/Fig9.pptx
@@ -7,7 +7,7 @@
   <p:sldIdLst>
     <p:sldId id="256" r:id="rId2"/>
   </p:sldIdLst>
-  <p:sldSz cx="6121400" cy="7561263"/>
+  <p:sldSz cx="6121400" cy="8101013"/>
   <p:notesSz cx="6858000" cy="9144000"/>
   <p:defaultTextStyle>
     <a:defPPr>
@@ -136,8 +136,8 @@
         </p:nvSpPr>
         <p:spPr>
           <a:xfrm>
-            <a:off x="459109" y="2348898"/>
-            <a:ext cx="5203191" cy="1620771"/>
+            <a:off x="459112" y="2516572"/>
+            <a:ext cx="5203191" cy="1736467"/>
           </a:xfrm>
         </p:spPr>
         <p:txBody>
@@ -164,8 +164,8 @@
         </p:nvSpPr>
         <p:spPr>
           <a:xfrm>
-            <a:off x="918211" y="4284716"/>
-            <a:ext cx="4284980" cy="1932323"/>
+            <a:off x="918211" y="4590576"/>
+            <a:ext cx="4284980" cy="2070259"/>
           </a:xfrm>
         </p:spPr>
         <p:txBody>
@@ -288,7 +288,7 @@
           <a:p>
             <a:fld id="{7246F727-76E0-4741-A660-AFB953E7A765}" type="datetimeFigureOut">
               <a:rPr lang="en-GB" smtClean="0"/>
-              <a:t>10/09/2014</a:t>
+              <a:t>27/09/2014</a:t>
             </a:fld>
             <a:endParaRPr lang="en-GB"/>
           </a:p>
@@ -458,7 +458,7 @@
           <a:p>
             <a:fld id="{7246F727-76E0-4741-A660-AFB953E7A765}" type="datetimeFigureOut">
               <a:rPr lang="en-GB" smtClean="0"/>
-              <a:t>10/09/2014</a:t>
+              <a:t>27/09/2014</a:t>
             </a:fld>
             <a:endParaRPr lang="en-GB"/>
           </a:p>
@@ -548,8 +548,8 @@
         </p:nvSpPr>
         <p:spPr>
           <a:xfrm>
-            <a:off x="4438018" y="302808"/>
-            <a:ext cx="1377315" cy="6451577"/>
+            <a:off x="4438021" y="324425"/>
+            <a:ext cx="1377315" cy="6912114"/>
           </a:xfrm>
         </p:spPr>
         <p:txBody>
@@ -576,8 +576,8 @@
         </p:nvSpPr>
         <p:spPr>
           <a:xfrm>
-            <a:off x="306071" y="302808"/>
-            <a:ext cx="4029922" cy="6451577"/>
+            <a:off x="306071" y="324425"/>
+            <a:ext cx="4029922" cy="6912114"/>
           </a:xfrm>
         </p:spPr>
         <p:txBody>
@@ -638,7 +638,7 @@
           <a:p>
             <a:fld id="{7246F727-76E0-4741-A660-AFB953E7A765}" type="datetimeFigureOut">
               <a:rPr lang="en-GB" smtClean="0"/>
-              <a:t>10/09/2014</a:t>
+              <a:t>27/09/2014</a:t>
             </a:fld>
             <a:endParaRPr lang="en-GB"/>
           </a:p>
@@ -808,7 +808,7 @@
           <a:p>
             <a:fld id="{7246F727-76E0-4741-A660-AFB953E7A765}" type="datetimeFigureOut">
               <a:rPr lang="en-GB" smtClean="0"/>
-              <a:t>10/09/2014</a:t>
+              <a:t>27/09/2014</a:t>
             </a:fld>
             <a:endParaRPr lang="en-GB"/>
           </a:p>
@@ -898,8 +898,8 @@
         </p:nvSpPr>
         <p:spPr>
           <a:xfrm>
-            <a:off x="483550" y="4858818"/>
-            <a:ext cx="5203191" cy="1501751"/>
+            <a:off x="483553" y="5205659"/>
+            <a:ext cx="5203191" cy="1608951"/>
           </a:xfrm>
         </p:spPr>
         <p:txBody>
@@ -930,8 +930,8 @@
         </p:nvSpPr>
         <p:spPr>
           <a:xfrm>
-            <a:off x="483550" y="3204787"/>
-            <a:ext cx="5203191" cy="1654026"/>
+            <a:off x="483553" y="3433557"/>
+            <a:ext cx="5203191" cy="1772096"/>
           </a:xfrm>
         </p:spPr>
         <p:txBody>
@@ -1054,7 +1054,7 @@
           <a:p>
             <a:fld id="{7246F727-76E0-4741-A660-AFB953E7A765}" type="datetimeFigureOut">
               <a:rPr lang="en-GB" smtClean="0"/>
-              <a:t>10/09/2014</a:t>
+              <a:t>27/09/2014</a:t>
             </a:fld>
             <a:endParaRPr lang="en-GB"/>
           </a:p>
@@ -1167,8 +1167,8 @@
         </p:nvSpPr>
         <p:spPr>
           <a:xfrm>
-            <a:off x="306074" y="1764301"/>
-            <a:ext cx="2703619" cy="4990084"/>
+            <a:off x="306074" y="1890243"/>
+            <a:ext cx="2703619" cy="5346294"/>
           </a:xfrm>
         </p:spPr>
         <p:txBody>
@@ -1252,8 +1252,8 @@
         </p:nvSpPr>
         <p:spPr>
           <a:xfrm>
-            <a:off x="3111713" y="1764301"/>
-            <a:ext cx="2703619" cy="4990084"/>
+            <a:off x="3111716" y="1890243"/>
+            <a:ext cx="2703619" cy="5346294"/>
           </a:xfrm>
         </p:spPr>
         <p:txBody>
@@ -1342,7 +1342,7 @@
           <a:p>
             <a:fld id="{7246F727-76E0-4741-A660-AFB953E7A765}" type="datetimeFigureOut">
               <a:rPr lang="en-GB" smtClean="0"/>
-              <a:t>10/09/2014</a:t>
+              <a:t>27/09/2014</a:t>
             </a:fld>
             <a:endParaRPr lang="en-GB"/>
           </a:p>
@@ -1459,8 +1459,8 @@
         </p:nvSpPr>
         <p:spPr>
           <a:xfrm>
-            <a:off x="306074" y="1692534"/>
-            <a:ext cx="2704681" cy="705367"/>
+            <a:off x="306077" y="1813353"/>
+            <a:ext cx="2704681" cy="755719"/>
           </a:xfrm>
         </p:spPr>
         <p:txBody>
@@ -1524,8 +1524,8 @@
         </p:nvSpPr>
         <p:spPr>
           <a:xfrm>
-            <a:off x="306074" y="2397900"/>
-            <a:ext cx="2704681" cy="4356479"/>
+            <a:off x="306077" y="2569071"/>
+            <a:ext cx="2704681" cy="4667460"/>
           </a:xfrm>
         </p:spPr>
         <p:txBody>
@@ -1609,8 +1609,8 @@
         </p:nvSpPr>
         <p:spPr>
           <a:xfrm>
-            <a:off x="3109586" y="1692534"/>
-            <a:ext cx="2705744" cy="705367"/>
+            <a:off x="3109586" y="1813353"/>
+            <a:ext cx="2705744" cy="755719"/>
           </a:xfrm>
         </p:spPr>
         <p:txBody>
@@ -1674,8 +1674,8 @@
         </p:nvSpPr>
         <p:spPr>
           <a:xfrm>
-            <a:off x="3109586" y="2397900"/>
-            <a:ext cx="2705744" cy="4356479"/>
+            <a:off x="3109586" y="2569071"/>
+            <a:ext cx="2705744" cy="4667460"/>
           </a:xfrm>
         </p:spPr>
         <p:txBody>
@@ -1764,7 +1764,7 @@
           <a:p>
             <a:fld id="{7246F727-76E0-4741-A660-AFB953E7A765}" type="datetimeFigureOut">
               <a:rPr lang="en-GB" smtClean="0"/>
-              <a:t>10/09/2014</a:t>
+              <a:t>27/09/2014</a:t>
             </a:fld>
             <a:endParaRPr lang="en-GB"/>
           </a:p>
@@ -1882,7 +1882,7 @@
           <a:p>
             <a:fld id="{7246F727-76E0-4741-A660-AFB953E7A765}" type="datetimeFigureOut">
               <a:rPr lang="en-GB" smtClean="0"/>
-              <a:t>10/09/2014</a:t>
+              <a:t>27/09/2014</a:t>
             </a:fld>
             <a:endParaRPr lang="en-GB"/>
           </a:p>
@@ -1977,7 +1977,7 @@
           <a:p>
             <a:fld id="{7246F727-76E0-4741-A660-AFB953E7A765}" type="datetimeFigureOut">
               <a:rPr lang="en-GB" smtClean="0"/>
-              <a:t>10/09/2014</a:t>
+              <a:t>27/09/2014</a:t>
             </a:fld>
             <a:endParaRPr lang="en-GB"/>
           </a:p>
@@ -2067,8 +2067,8 @@
         </p:nvSpPr>
         <p:spPr>
           <a:xfrm>
-            <a:off x="306071" y="301051"/>
-            <a:ext cx="2013898" cy="1281214"/>
+            <a:off x="306071" y="322540"/>
+            <a:ext cx="2013898" cy="1372672"/>
           </a:xfrm>
         </p:spPr>
         <p:txBody>
@@ -2099,8 +2099,8 @@
         </p:nvSpPr>
         <p:spPr>
           <a:xfrm>
-            <a:off x="2393299" y="301057"/>
-            <a:ext cx="3422032" cy="6453328"/>
+            <a:off x="2393299" y="322548"/>
+            <a:ext cx="3422032" cy="6913990"/>
           </a:xfrm>
         </p:spPr>
         <p:txBody>
@@ -2184,8 +2184,8 @@
         </p:nvSpPr>
         <p:spPr>
           <a:xfrm>
-            <a:off x="306071" y="1582268"/>
-            <a:ext cx="2013898" cy="5172114"/>
+            <a:off x="306071" y="1695216"/>
+            <a:ext cx="2013898" cy="5541318"/>
           </a:xfrm>
         </p:spPr>
         <p:txBody>
@@ -2254,7 +2254,7 @@
           <a:p>
             <a:fld id="{7246F727-76E0-4741-A660-AFB953E7A765}" type="datetimeFigureOut">
               <a:rPr lang="en-GB" smtClean="0"/>
-              <a:t>10/09/2014</a:t>
+              <a:t>27/09/2014</a:t>
             </a:fld>
             <a:endParaRPr lang="en-GB"/>
           </a:p>
@@ -2344,8 +2344,8 @@
         </p:nvSpPr>
         <p:spPr>
           <a:xfrm>
-            <a:off x="1199839" y="5292884"/>
-            <a:ext cx="3672840" cy="624855"/>
+            <a:off x="1199839" y="5670710"/>
+            <a:ext cx="3672840" cy="669459"/>
           </a:xfrm>
         </p:spPr>
         <p:txBody>
@@ -2376,8 +2376,8 @@
         </p:nvSpPr>
         <p:spPr>
           <a:xfrm>
-            <a:off x="1199839" y="675613"/>
-            <a:ext cx="3672840" cy="4536758"/>
+            <a:off x="1199839" y="723841"/>
+            <a:ext cx="3672840" cy="4860608"/>
           </a:xfrm>
         </p:spPr>
         <p:txBody>
@@ -2437,8 +2437,8 @@
         </p:nvSpPr>
         <p:spPr>
           <a:xfrm>
-            <a:off x="1199839" y="5917738"/>
-            <a:ext cx="3672840" cy="887398"/>
+            <a:off x="1199839" y="6340168"/>
+            <a:ext cx="3672840" cy="950744"/>
           </a:xfrm>
         </p:spPr>
         <p:txBody>
@@ -2507,7 +2507,7 @@
           <a:p>
             <a:fld id="{7246F727-76E0-4741-A660-AFB953E7A765}" type="datetimeFigureOut">
               <a:rPr lang="en-GB" smtClean="0"/>
-              <a:t>10/09/2014</a:t>
+              <a:t>27/09/2014</a:t>
             </a:fld>
             <a:endParaRPr lang="en-GB"/>
           </a:p>
@@ -2602,8 +2602,8 @@
         </p:nvSpPr>
         <p:spPr>
           <a:xfrm>
-            <a:off x="306073" y="302801"/>
-            <a:ext cx="5509261" cy="1260211"/>
+            <a:off x="306076" y="324417"/>
+            <a:ext cx="5509261" cy="1350169"/>
           </a:xfrm>
           <a:prstGeom prst="rect">
             <a:avLst/>
@@ -2635,8 +2635,8 @@
         </p:nvSpPr>
         <p:spPr>
           <a:xfrm>
-            <a:off x="306073" y="1764301"/>
-            <a:ext cx="5509261" cy="4990084"/>
+            <a:off x="306076" y="1890243"/>
+            <a:ext cx="5509261" cy="5346294"/>
           </a:xfrm>
           <a:prstGeom prst="rect">
             <a:avLst/>
@@ -2697,8 +2697,8 @@
         </p:nvSpPr>
         <p:spPr>
           <a:xfrm>
-            <a:off x="306070" y="7008177"/>
-            <a:ext cx="1428328" cy="402567"/>
+            <a:off x="306070" y="7508447"/>
+            <a:ext cx="1428328" cy="431304"/>
           </a:xfrm>
           <a:prstGeom prst="rect">
             <a:avLst/>
@@ -2720,7 +2720,7 @@
           <a:p>
             <a:fld id="{7246F727-76E0-4741-A660-AFB953E7A765}" type="datetimeFigureOut">
               <a:rPr lang="en-GB" smtClean="0"/>
-              <a:t>10/09/2014</a:t>
+              <a:t>27/09/2014</a:t>
             </a:fld>
             <a:endParaRPr lang="en-GB"/>
           </a:p>
@@ -2738,8 +2738,8 @@
         </p:nvSpPr>
         <p:spPr>
           <a:xfrm>
-            <a:off x="2091483" y="7008177"/>
-            <a:ext cx="1938443" cy="402567"/>
+            <a:off x="2091486" y="7508447"/>
+            <a:ext cx="1938443" cy="431304"/>
           </a:xfrm>
           <a:prstGeom prst="rect">
             <a:avLst/>
@@ -2775,8 +2775,8 @@
         </p:nvSpPr>
         <p:spPr>
           <a:xfrm>
-            <a:off x="4387004" y="7008177"/>
-            <a:ext cx="1428328" cy="402567"/>
+            <a:off x="4387004" y="7508447"/>
+            <a:ext cx="1428328" cy="431304"/>
           </a:xfrm>
           <a:prstGeom prst="rect">
             <a:avLst/>
@@ -3097,7 +3097,7 @@
       </p:grpSpPr>
       <p:pic>
         <p:nvPicPr>
-          <p:cNvPr id="116" name="Picture 3" descr="C:\Users\Wendy\Documents\wwn20\Thesis\Chapter7\Figures\Fig9\600nm_spec.png"/>
+          <p:cNvPr id="97" name="Picture 3" descr="C:\Users\Wendy\Documents\wwn20\Thesis\Chapter7\Figures\Fig9\600nm_spec.png"/>
           <p:cNvPicPr>
             <a:picLocks noChangeAspect="1" noChangeArrowheads="1"/>
           </p:cNvPicPr>
@@ -3138,7 +3138,7 @@
       </p:pic>
       <p:pic>
         <p:nvPicPr>
-          <p:cNvPr id="117" name="Picture 4" descr="C:\Users\Wendy\Documents\wwn20\Thesis\Chapter7\Figures\Fig7\417_TM.png"/>
+          <p:cNvPr id="98" name="Picture 4" descr="C:\Users\Wendy\Documents\wwn20\Thesis\Chapter7\Figures\Fig7\417_TM.png"/>
           <p:cNvPicPr>
             <a:picLocks noChangeAspect="1" noChangeArrowheads="1"/>
           </p:cNvPicPr>
@@ -3177,7 +3177,7 @@
       </p:pic>
       <p:pic>
         <p:nvPicPr>
-          <p:cNvPr id="118" name="Picture 117"/>
+          <p:cNvPr id="99" name="Picture 98"/>
           <p:cNvPicPr>
             <a:picLocks noChangeAspect="1" noChangeArrowheads="1"/>
           </p:cNvPicPr>
@@ -3196,8 +3196,8 @@
         </p:blipFill>
         <p:spPr bwMode="auto">
           <a:xfrm>
-            <a:off x="4164521" y="2803060"/>
-            <a:ext cx="1019924" cy="2222814"/>
+            <a:off x="3876489" y="2803060"/>
+            <a:ext cx="1271909" cy="2772000"/>
           </a:xfrm>
           <a:prstGeom prst="rect">
             <a:avLst/>
@@ -3229,13 +3229,13 @@
       </p:pic>
       <p:grpSp>
         <p:nvGrpSpPr>
-          <p:cNvPr id="119" name="Group 118"/>
+          <p:cNvPr id="100" name="Group 99"/>
           <p:cNvGrpSpPr/>
           <p:nvPr/>
         </p:nvGrpSpPr>
         <p:grpSpPr>
           <a:xfrm>
-            <a:off x="96121" y="5261555"/>
+            <a:off x="96121" y="5726177"/>
             <a:ext cx="5914528" cy="2223016"/>
             <a:chOff x="397477" y="3428798"/>
             <a:chExt cx="5914528" cy="2223016"/>
@@ -3243,7 +3243,7 @@
         </p:grpSpPr>
         <p:pic>
           <p:nvPicPr>
-            <p:cNvPr id="120" name="Picture 5" descr="C:\Users\Wendy\Documents\wwn20\Data\PbI4_grating\Theory\417nm_Ag\SPP_frames\0.gif"/>
+            <p:cNvPr id="101" name="Picture 5" descr="C:\Users\Wendy\Documents\wwn20\Data\PbI4_grating\Theory\417nm_Ag\SPP_frames\0.gif"/>
             <p:cNvPicPr>
               <a:picLocks noChangeAspect="1" noChangeArrowheads="1"/>
             </p:cNvPicPr>
@@ -3282,7 +3282,7 @@
         </p:pic>
         <p:pic>
           <p:nvPicPr>
-            <p:cNvPr id="121" name="Picture 6" descr="C:\Users\Wendy\Documents\wwn20\Data\PbI4_grating\Theory\417nm_Ag\SPP_frames\2.gif"/>
+            <p:cNvPr id="102" name="Picture 6" descr="C:\Users\Wendy\Documents\wwn20\Data\PbI4_grating\Theory\417nm_Ag\SPP_frames\2.gif"/>
             <p:cNvPicPr>
               <a:picLocks noChangeAspect="1" noChangeArrowheads="1"/>
             </p:cNvPicPr>
@@ -3321,7 +3321,7 @@
         </p:pic>
         <p:pic>
           <p:nvPicPr>
-            <p:cNvPr id="122" name="Picture 7" descr="C:\Users\Wendy\Documents\wwn20\Data\PbI4_grating\Theory\417nm_Ag\SPP_frames\5.gif"/>
+            <p:cNvPr id="103" name="Picture 7" descr="C:\Users\Wendy\Documents\wwn20\Data\PbI4_grating\Theory\417nm_Ag\SPP_frames\5.gif"/>
             <p:cNvPicPr>
               <a:picLocks noChangeAspect="1" noChangeArrowheads="1"/>
             </p:cNvPicPr>
@@ -3360,7 +3360,7 @@
         </p:pic>
         <p:pic>
           <p:nvPicPr>
-            <p:cNvPr id="123" name="Picture 8" descr="C:\Users\Wendy\Documents\wwn20\Data\PbI4_grating\Theory\417nm_Ag\SPP_frames\9.gif"/>
+            <p:cNvPr id="104" name="Picture 8" descr="C:\Users\Wendy\Documents\wwn20\Data\PbI4_grating\Theory\417nm_Ag\SPP_frames\9.gif"/>
             <p:cNvPicPr>
               <a:picLocks noChangeAspect="1" noChangeArrowheads="1"/>
             </p:cNvPicPr>
@@ -3399,7 +3399,7 @@
         </p:pic>
         <p:pic>
           <p:nvPicPr>
-            <p:cNvPr id="124" name="Picture 9" descr="C:\Users\Wendy\Documents\wwn20\Data\PbI4_grating\Theory\417nm_Ag\SPP_frames\12.gif"/>
+            <p:cNvPr id="106" name="Picture 9" descr="C:\Users\Wendy\Documents\wwn20\Data\PbI4_grating\Theory\417nm_Ag\SPP_frames\12.gif"/>
             <p:cNvPicPr>
               <a:picLocks noChangeAspect="1" noChangeArrowheads="1"/>
             </p:cNvPicPr>
@@ -3438,7 +3438,7 @@
         </p:pic>
         <p:sp>
           <p:nvSpPr>
-            <p:cNvPr id="125" name="TextBox 124"/>
+            <p:cNvPr id="107" name="TextBox 106"/>
             <p:cNvSpPr txBox="1"/>
             <p:nvPr/>
           </p:nvSpPr>
@@ -3472,7 +3472,7 @@
         </p:sp>
         <p:sp>
           <p:nvSpPr>
-            <p:cNvPr id="126" name="TextBox 125"/>
+            <p:cNvPr id="108" name="TextBox 107"/>
             <p:cNvSpPr txBox="1"/>
             <p:nvPr/>
           </p:nvSpPr>
@@ -3506,7 +3506,7 @@
         </p:sp>
         <p:sp>
           <p:nvSpPr>
-            <p:cNvPr id="127" name="TextBox 126"/>
+            <p:cNvPr id="109" name="TextBox 108"/>
             <p:cNvSpPr txBox="1"/>
             <p:nvPr/>
           </p:nvSpPr>
@@ -3540,7 +3540,7 @@
         </p:sp>
         <p:sp>
           <p:nvSpPr>
-            <p:cNvPr id="128" name="TextBox 127"/>
+            <p:cNvPr id="111" name="TextBox 110"/>
             <p:cNvSpPr txBox="1"/>
             <p:nvPr/>
           </p:nvSpPr>
@@ -3574,7 +3574,7 @@
         </p:sp>
         <p:sp>
           <p:nvSpPr>
-            <p:cNvPr id="129" name="TextBox 128"/>
+            <p:cNvPr id="113" name="TextBox 112"/>
             <p:cNvSpPr txBox="1"/>
             <p:nvPr/>
           </p:nvSpPr>
@@ -3609,7 +3609,7 @@
       </p:grpSp>
       <p:cxnSp>
         <p:nvCxnSpPr>
-          <p:cNvPr id="130" name="Straight Connector 129"/>
+          <p:cNvPr id="115" name="Straight Connector 114"/>
           <p:cNvCxnSpPr/>
           <p:nvPr/>
         </p:nvCxnSpPr>
@@ -3645,7 +3645,7 @@
       </p:cxnSp>
       <p:sp>
         <p:nvSpPr>
-          <p:cNvPr id="131" name="Oval 130"/>
+          <p:cNvPr id="135" name="Oval 134"/>
           <p:cNvSpPr/>
           <p:nvPr/>
         </p:nvSpPr>
@@ -3691,7 +3691,7 @@
       </p:sp>
       <p:sp>
         <p:nvSpPr>
-          <p:cNvPr id="132" name="Oval 131"/>
+          <p:cNvPr id="137" name="Oval 136"/>
           <p:cNvSpPr/>
           <p:nvPr/>
         </p:nvSpPr>
@@ -3737,14 +3737,14 @@
       </p:sp>
       <p:cxnSp>
         <p:nvCxnSpPr>
-          <p:cNvPr id="133" name="Straight Arrow Connector 132"/>
+          <p:cNvPr id="139" name="Straight Arrow Connector 138"/>
           <p:cNvCxnSpPr/>
           <p:nvPr/>
         </p:nvCxnSpPr>
         <p:spPr>
           <a:xfrm flipH="1">
-            <a:off x="604553" y="4294888"/>
-            <a:ext cx="1112407" cy="884436"/>
+            <a:off x="433449" y="4294888"/>
+            <a:ext cx="1283512" cy="1069919"/>
           </a:xfrm>
           <a:prstGeom prst="straightConnector1">
             <a:avLst/>
@@ -3774,14 +3774,14 @@
       </p:cxnSp>
       <p:cxnSp>
         <p:nvCxnSpPr>
-          <p:cNvPr id="134" name="Straight Arrow Connector 133"/>
+          <p:cNvPr id="140" name="Straight Arrow Connector 139"/>
           <p:cNvCxnSpPr/>
           <p:nvPr/>
         </p:nvCxnSpPr>
         <p:spPr>
           <a:xfrm flipV="1">
-            <a:off x="1991721" y="3336037"/>
-            <a:ext cx="2149099" cy="567989"/>
+            <a:off x="1991721" y="3600511"/>
+            <a:ext cx="1570656" cy="303516"/>
           </a:xfrm>
           <a:prstGeom prst="straightConnector1">
             <a:avLst/>
@@ -3811,14 +3811,14 @@
       </p:cxnSp>
       <p:sp>
         <p:nvSpPr>
-          <p:cNvPr id="105" name="TextBox 104"/>
+          <p:cNvPr id="141" name="TextBox 140"/>
           <p:cNvSpPr txBox="1"/>
           <p:nvPr/>
         </p:nvSpPr>
         <p:spPr>
           <a:xfrm>
-            <a:off x="196461" y="0"/>
-            <a:ext cx="720080" cy="553998"/>
+            <a:off x="684436" y="-35793"/>
+            <a:ext cx="720080" cy="477054"/>
           </a:xfrm>
           <a:prstGeom prst="rect">
             <a:avLst/>
@@ -3832,23 +3832,23 @@
           <a:lstStyle/>
           <a:p>
             <a:r>
-              <a:rPr lang="en-GB" sz="3000" dirty="0" smtClean="0"/>
+              <a:rPr lang="en-GB" sz="2500" dirty="0" smtClean="0"/>
               <a:t>(a)</a:t>
             </a:r>
-            <a:endParaRPr lang="en-GB" sz="3000" dirty="0"/>
-          </a:p>
-        </p:txBody>
-      </p:sp>
-      <p:sp>
-        <p:nvSpPr>
-          <p:cNvPr id="136" name="TextBox 135"/>
+            <a:endParaRPr lang="en-GB" sz="2500" dirty="0"/>
+          </a:p>
+        </p:txBody>
+      </p:sp>
+      <p:sp>
+        <p:nvSpPr>
+          <p:cNvPr id="144" name="TextBox 143"/>
           <p:cNvSpPr txBox="1"/>
           <p:nvPr/>
         </p:nvSpPr>
         <p:spPr>
           <a:xfrm>
-            <a:off x="3564756" y="2782039"/>
-            <a:ext cx="720080" cy="553998"/>
+            <a:off x="3348732" y="2782039"/>
+            <a:ext cx="720080" cy="477054"/>
           </a:xfrm>
           <a:prstGeom prst="rect">
             <a:avLst/>
@@ -3862,23 +3862,23 @@
           <a:lstStyle/>
           <a:p>
             <a:r>
-              <a:rPr lang="en-GB" sz="3000" dirty="0" smtClean="0"/>
+              <a:rPr lang="en-GB" sz="2500" dirty="0" smtClean="0"/>
               <a:t>(b)</a:t>
             </a:r>
-            <a:endParaRPr lang="en-GB" sz="3000" dirty="0"/>
-          </a:p>
-        </p:txBody>
-      </p:sp>
-      <p:sp>
-        <p:nvSpPr>
-          <p:cNvPr id="138" name="TextBox 137"/>
+            <a:endParaRPr lang="en-GB" sz="2500" dirty="0"/>
+          </a:p>
+        </p:txBody>
+      </p:sp>
+      <p:sp>
+        <p:nvSpPr>
+          <p:cNvPr id="145" name="TextBox 144"/>
           <p:cNvSpPr txBox="1"/>
           <p:nvPr/>
         </p:nvSpPr>
         <p:spPr>
           <a:xfrm>
-            <a:off x="-98708" y="4701577"/>
-            <a:ext cx="720080" cy="553998"/>
+            <a:off x="-98708" y="5238207"/>
+            <a:ext cx="720080" cy="477054"/>
           </a:xfrm>
           <a:prstGeom prst="rect">
             <a:avLst/>
@@ -3892,16 +3892,16 @@
           <a:lstStyle/>
           <a:p>
             <a:r>
-              <a:rPr lang="en-GB" sz="3000" dirty="0" smtClean="0"/>
+              <a:rPr lang="en-GB" sz="2500" dirty="0" smtClean="0"/>
               <a:t>(c)</a:t>
             </a:r>
-            <a:endParaRPr lang="en-GB" sz="3000" dirty="0"/>
+            <a:endParaRPr lang="en-GB" sz="2500" dirty="0"/>
           </a:p>
         </p:txBody>
       </p:sp>
       <p:grpSp>
         <p:nvGrpSpPr>
-          <p:cNvPr id="112" name="Group 111"/>
+          <p:cNvPr id="148" name="Group 147"/>
           <p:cNvGrpSpPr>
             <a:grpSpLocks noChangeAspect="1"/>
           </p:cNvGrpSpPr>
@@ -3909,213 +3909,230 @@
         </p:nvGrpSpPr>
         <p:grpSpPr>
           <a:xfrm>
-            <a:off x="5325725" y="2823737"/>
-            <a:ext cx="349921" cy="274452"/>
-            <a:chOff x="5229796" y="2828533"/>
-            <a:chExt cx="583201" cy="457420"/>
+            <a:off x="5292948" y="2700511"/>
+            <a:ext cx="792088" cy="837270"/>
+            <a:chOff x="5220940" y="2700511"/>
+            <a:chExt cx="505394" cy="534221"/>
           </a:xfrm>
         </p:grpSpPr>
-        <p:cxnSp>
-          <p:nvCxnSpPr>
-            <p:cNvPr id="110" name="Straight Arrow Connector 109"/>
-            <p:cNvCxnSpPr/>
+        <p:grpSp>
+          <p:nvGrpSpPr>
+            <p:cNvPr id="149" name="Group 148"/>
+            <p:cNvGrpSpPr>
+              <a:grpSpLocks noChangeAspect="1"/>
+            </p:cNvGrpSpPr>
             <p:nvPr/>
-          </p:nvCxnSpPr>
+          </p:nvGrpSpPr>
+          <p:grpSpPr>
+            <a:xfrm>
+              <a:off x="5325725" y="2823737"/>
+              <a:ext cx="349921" cy="274452"/>
+              <a:chOff x="5229796" y="2828533"/>
+              <a:chExt cx="583201" cy="457420"/>
+            </a:xfrm>
+          </p:grpSpPr>
+          <p:cxnSp>
+            <p:nvCxnSpPr>
+              <p:cNvPr id="153" name="Straight Arrow Connector 152"/>
+              <p:cNvCxnSpPr/>
+              <p:nvPr/>
+            </p:nvCxnSpPr>
+            <p:spPr>
+              <a:xfrm>
+                <a:off x="5444671" y="3196859"/>
+                <a:ext cx="368326" cy="0"/>
+              </a:xfrm>
+              <a:prstGeom prst="straightConnector1">
+                <a:avLst/>
+              </a:prstGeom>
+              <a:ln w="12700" cap="sq">
+                <a:solidFill>
+                  <a:schemeClr val="tx1"/>
+                </a:solidFill>
+                <a:tailEnd type="arrow" w="sm" len="sm"/>
+              </a:ln>
+            </p:spPr>
+            <p:style>
+              <a:lnRef idx="1">
+                <a:schemeClr val="accent1"/>
+              </a:lnRef>
+              <a:fillRef idx="0">
+                <a:schemeClr val="accent1"/>
+              </a:fillRef>
+              <a:effectRef idx="0">
+                <a:schemeClr val="accent1"/>
+              </a:effectRef>
+              <a:fontRef idx="minor">
+                <a:schemeClr val="tx1"/>
+              </a:fontRef>
+            </p:style>
+          </p:cxnSp>
+          <p:cxnSp>
+            <p:nvCxnSpPr>
+              <p:cNvPr id="154" name="Straight Arrow Connector 153"/>
+              <p:cNvCxnSpPr/>
+              <p:nvPr/>
+            </p:nvCxnSpPr>
+            <p:spPr>
+              <a:xfrm rot="16200000">
+                <a:off x="5260508" y="3012696"/>
+                <a:ext cx="368326" cy="0"/>
+              </a:xfrm>
+              <a:prstGeom prst="straightConnector1">
+                <a:avLst/>
+              </a:prstGeom>
+              <a:ln w="12700" cap="sq">
+                <a:solidFill>
+                  <a:schemeClr val="tx1"/>
+                </a:solidFill>
+                <a:tailEnd type="arrow" w="sm" len="sm"/>
+              </a:ln>
+            </p:spPr>
+            <p:style>
+              <a:lnRef idx="1">
+                <a:schemeClr val="accent1"/>
+              </a:lnRef>
+              <a:fillRef idx="0">
+                <a:schemeClr val="accent1"/>
+              </a:fillRef>
+              <a:effectRef idx="0">
+                <a:schemeClr val="accent1"/>
+              </a:effectRef>
+              <a:fontRef idx="minor">
+                <a:schemeClr val="tx1"/>
+              </a:fontRef>
+            </p:style>
+          </p:cxnSp>
+          <p:cxnSp>
+            <p:nvCxnSpPr>
+              <p:cNvPr id="155" name="Straight Arrow Connector 154"/>
+              <p:cNvCxnSpPr/>
+              <p:nvPr/>
+            </p:nvCxnSpPr>
+            <p:spPr>
+              <a:xfrm rot="8100000">
+                <a:off x="5229796" y="3285953"/>
+                <a:ext cx="252000" cy="0"/>
+              </a:xfrm>
+              <a:prstGeom prst="straightConnector1">
+                <a:avLst/>
+              </a:prstGeom>
+              <a:ln w="12700" cap="sq">
+                <a:solidFill>
+                  <a:schemeClr val="tx1"/>
+                </a:solidFill>
+                <a:tailEnd type="arrow" w="sm" len="sm"/>
+              </a:ln>
+            </p:spPr>
+            <p:style>
+              <a:lnRef idx="1">
+                <a:schemeClr val="accent1"/>
+              </a:lnRef>
+              <a:fillRef idx="0">
+                <a:schemeClr val="accent1"/>
+              </a:fillRef>
+              <a:effectRef idx="0">
+                <a:schemeClr val="accent1"/>
+              </a:effectRef>
+              <a:fontRef idx="minor">
+                <a:schemeClr val="tx1"/>
+              </a:fontRef>
+            </p:style>
+          </p:cxnSp>
+        </p:grpSp>
+        <p:sp>
+          <p:nvSpPr>
+            <p:cNvPr id="150" name="TextBox 149"/>
+            <p:cNvSpPr txBox="1"/>
+            <p:nvPr/>
+          </p:nvSpPr>
           <p:spPr>
             <a:xfrm>
-              <a:off x="5444671" y="3196859"/>
-              <a:ext cx="368326" cy="0"/>
+              <a:off x="5604976" y="2884290"/>
+              <a:ext cx="121358" cy="206196"/>
             </a:xfrm>
-            <a:prstGeom prst="straightConnector1">
+            <a:prstGeom prst="rect">
               <a:avLst/>
             </a:prstGeom>
-            <a:ln w="12700" cap="sq">
-              <a:solidFill>
-                <a:schemeClr val="tx1"/>
-              </a:solidFill>
-              <a:tailEnd type="arrow" w="sm" len="sm"/>
-            </a:ln>
+            <a:noFill/>
           </p:spPr>
-          <p:style>
-            <a:lnRef idx="1">
-              <a:schemeClr val="accent1"/>
-            </a:lnRef>
-            <a:fillRef idx="0">
-              <a:schemeClr val="accent1"/>
-            </a:fillRef>
-            <a:effectRef idx="0">
-              <a:schemeClr val="accent1"/>
-            </a:effectRef>
-            <a:fontRef idx="minor">
-              <a:schemeClr val="tx1"/>
-            </a:fontRef>
-          </p:style>
-        </p:cxnSp>
-        <p:cxnSp>
-          <p:nvCxnSpPr>
-            <p:cNvPr id="142" name="Straight Arrow Connector 141"/>
-            <p:cNvCxnSpPr/>
+          <p:txBody>
+            <a:bodyPr wrap="square" rtlCol="0">
+              <a:spAutoFit/>
+            </a:bodyPr>
+            <a:lstStyle/>
+            <a:p>
+              <a:r>
+                <a:rPr lang="en-GB" sz="1500" dirty="0"/>
+                <a:t>x</a:t>
+              </a:r>
+            </a:p>
+          </p:txBody>
+        </p:sp>
+        <p:sp>
+          <p:nvSpPr>
+            <p:cNvPr id="151" name="TextBox 150"/>
+            <p:cNvSpPr txBox="1"/>
             <p:nvPr/>
-          </p:nvCxnSpPr>
+          </p:nvSpPr>
           <p:spPr>
-            <a:xfrm rot="16200000">
-              <a:off x="5260508" y="3012696"/>
-              <a:ext cx="368326" cy="0"/>
+            <a:xfrm>
+              <a:off x="5436964" y="2700511"/>
+              <a:ext cx="121358" cy="206196"/>
             </a:xfrm>
-            <a:prstGeom prst="straightConnector1">
+            <a:prstGeom prst="rect">
               <a:avLst/>
             </a:prstGeom>
-            <a:ln w="12700" cap="sq">
-              <a:solidFill>
-                <a:schemeClr val="tx1"/>
-              </a:solidFill>
-              <a:tailEnd type="arrow" w="sm" len="sm"/>
-            </a:ln>
+            <a:noFill/>
           </p:spPr>
-          <p:style>
-            <a:lnRef idx="1">
-              <a:schemeClr val="accent1"/>
-            </a:lnRef>
-            <a:fillRef idx="0">
-              <a:schemeClr val="accent1"/>
-            </a:fillRef>
-            <a:effectRef idx="0">
-              <a:schemeClr val="accent1"/>
-            </a:effectRef>
-            <a:fontRef idx="minor">
-              <a:schemeClr val="tx1"/>
-            </a:fontRef>
-          </p:style>
-        </p:cxnSp>
-        <p:cxnSp>
-          <p:nvCxnSpPr>
-            <p:cNvPr id="143" name="Straight Arrow Connector 142"/>
-            <p:cNvCxnSpPr/>
+          <p:txBody>
+            <a:bodyPr wrap="square" rtlCol="0">
+              <a:spAutoFit/>
+            </a:bodyPr>
+            <a:lstStyle/>
+            <a:p>
+              <a:r>
+                <a:rPr lang="en-GB" sz="1500" dirty="0" smtClean="0"/>
+                <a:t>y</a:t>
+              </a:r>
+              <a:endParaRPr lang="en-GB" sz="1500" dirty="0"/>
+            </a:p>
+          </p:txBody>
+        </p:sp>
+        <p:sp>
+          <p:nvSpPr>
+            <p:cNvPr id="152" name="TextBox 151"/>
+            <p:cNvSpPr txBox="1"/>
             <p:nvPr/>
-          </p:nvCxnSpPr>
+          </p:nvSpPr>
           <p:spPr>
-            <a:xfrm rot="8100000">
-              <a:off x="5229796" y="3285953"/>
-              <a:ext cx="252000" cy="0"/>
+            <a:xfrm>
+              <a:off x="5220940" y="3028536"/>
+              <a:ext cx="121358" cy="206196"/>
             </a:xfrm>
-            <a:prstGeom prst="straightConnector1">
+            <a:prstGeom prst="rect">
               <a:avLst/>
             </a:prstGeom>
-            <a:ln w="12700" cap="sq">
-              <a:solidFill>
-                <a:schemeClr val="tx1"/>
-              </a:solidFill>
-              <a:tailEnd type="arrow" w="sm" len="sm"/>
-            </a:ln>
+            <a:noFill/>
           </p:spPr>
-          <p:style>
-            <a:lnRef idx="1">
-              <a:schemeClr val="accent1"/>
-            </a:lnRef>
-            <a:fillRef idx="0">
-              <a:schemeClr val="accent1"/>
-            </a:fillRef>
-            <a:effectRef idx="0">
-              <a:schemeClr val="accent1"/>
-            </a:effectRef>
-            <a:fontRef idx="minor">
-              <a:schemeClr val="tx1"/>
-            </a:fontRef>
-          </p:style>
-        </p:cxnSp>
+          <p:txBody>
+            <a:bodyPr wrap="square" rtlCol="0">
+              <a:spAutoFit/>
+            </a:bodyPr>
+            <a:lstStyle/>
+            <a:p>
+              <a:r>
+                <a:rPr lang="en-GB" sz="1500" dirty="0" smtClean="0"/>
+                <a:t>z</a:t>
+              </a:r>
+              <a:endParaRPr lang="en-GB" sz="1500" dirty="0"/>
+            </a:p>
+          </p:txBody>
+        </p:sp>
       </p:grpSp>
       <p:sp>
         <p:nvSpPr>
-          <p:cNvPr id="114" name="TextBox 113"/>
-          <p:cNvSpPr txBox="1"/>
-          <p:nvPr/>
-        </p:nvSpPr>
-        <p:spPr>
-          <a:xfrm>
-            <a:off x="5620905" y="2918113"/>
-            <a:ext cx="121358" cy="246221"/>
-          </a:xfrm>
-          <a:prstGeom prst="rect">
-            <a:avLst/>
-          </a:prstGeom>
-          <a:noFill/>
-        </p:spPr>
-        <p:txBody>
-          <a:bodyPr wrap="square" rtlCol="0">
-            <a:spAutoFit/>
-          </a:bodyPr>
-          <a:lstStyle/>
-          <a:p>
-            <a:r>
-              <a:rPr lang="en-GB" sz="1000" dirty="0"/>
-              <a:t>x</a:t>
-            </a:r>
-          </a:p>
-        </p:txBody>
-      </p:sp>
-      <p:sp>
-        <p:nvSpPr>
-          <p:cNvPr id="146" name="TextBox 145"/>
-          <p:cNvSpPr txBox="1"/>
-          <p:nvPr/>
-        </p:nvSpPr>
-        <p:spPr>
-          <a:xfrm>
-            <a:off x="5436964" y="2700511"/>
-            <a:ext cx="121358" cy="246221"/>
-          </a:xfrm>
-          <a:prstGeom prst="rect">
-            <a:avLst/>
-          </a:prstGeom>
-          <a:noFill/>
-        </p:spPr>
-        <p:txBody>
-          <a:bodyPr wrap="square" rtlCol="0">
-            <a:spAutoFit/>
-          </a:bodyPr>
-          <a:lstStyle/>
-          <a:p>
-            <a:r>
-              <a:rPr lang="en-GB" sz="1000" dirty="0" smtClean="0"/>
-              <a:t>y</a:t>
-            </a:r>
-            <a:endParaRPr lang="en-GB" sz="1000" dirty="0"/>
-          </a:p>
-        </p:txBody>
-      </p:sp>
-      <p:sp>
-        <p:nvSpPr>
-          <p:cNvPr id="147" name="TextBox 146"/>
-          <p:cNvSpPr txBox="1"/>
-          <p:nvPr/>
-        </p:nvSpPr>
-        <p:spPr>
-          <a:xfrm>
-            <a:off x="5220940" y="3028536"/>
-            <a:ext cx="121358" cy="246221"/>
-          </a:xfrm>
-          <a:prstGeom prst="rect">
-            <a:avLst/>
-          </a:prstGeom>
-          <a:noFill/>
-        </p:spPr>
-        <p:txBody>
-          <a:bodyPr wrap="square" rtlCol="0">
-            <a:spAutoFit/>
-          </a:bodyPr>
-          <a:lstStyle/>
-          <a:p>
-            <a:r>
-              <a:rPr lang="en-GB" sz="1000" dirty="0" smtClean="0"/>
-              <a:t>z</a:t>
-            </a:r>
-            <a:endParaRPr lang="en-GB" sz="1000" dirty="0"/>
-          </a:p>
-        </p:txBody>
-      </p:sp>
-      <p:sp>
-        <p:nvSpPr>
-          <p:cNvPr id="5" name="Freeform 4"/>
+          <p:cNvPr id="156" name="Freeform 155"/>
           <p:cNvSpPr/>
           <p:nvPr/>
         </p:nvSpPr>
@@ -4257,7 +4274,7 @@
                                           </p:stCondLst>
                                         </p:cTn>
                                         <p:tgtEl>
-                                          <p:spTgt spid="118"/>
+                                          <p:spTgt spid="99"/>
                                         </p:tgtEl>
                                         <p:attrNameLst>
                                           <p:attrName>style.visibility</p:attrName>

--- a/Chapter7/Figures/Fig9.pptx
+++ b/Chapter7/Figures/Fig9.pptx
@@ -288,7 +288,7 @@
           <a:p>
             <a:fld id="{7246F727-76E0-4741-A660-AFB953E7A765}" type="datetimeFigureOut">
               <a:rPr lang="en-GB" smtClean="0"/>
-              <a:t>27/09/2014</a:t>
+              <a:t>19/10/2014</a:t>
             </a:fld>
             <a:endParaRPr lang="en-GB"/>
           </a:p>
@@ -458,7 +458,7 @@
           <a:p>
             <a:fld id="{7246F727-76E0-4741-A660-AFB953E7A765}" type="datetimeFigureOut">
               <a:rPr lang="en-GB" smtClean="0"/>
-              <a:t>27/09/2014</a:t>
+              <a:t>19/10/2014</a:t>
             </a:fld>
             <a:endParaRPr lang="en-GB"/>
           </a:p>
@@ -638,7 +638,7 @@
           <a:p>
             <a:fld id="{7246F727-76E0-4741-A660-AFB953E7A765}" type="datetimeFigureOut">
               <a:rPr lang="en-GB" smtClean="0"/>
-              <a:t>27/09/2014</a:t>
+              <a:t>19/10/2014</a:t>
             </a:fld>
             <a:endParaRPr lang="en-GB"/>
           </a:p>
@@ -808,7 +808,7 @@
           <a:p>
             <a:fld id="{7246F727-76E0-4741-A660-AFB953E7A765}" type="datetimeFigureOut">
               <a:rPr lang="en-GB" smtClean="0"/>
-              <a:t>27/09/2014</a:t>
+              <a:t>19/10/2014</a:t>
             </a:fld>
             <a:endParaRPr lang="en-GB"/>
           </a:p>
@@ -1054,7 +1054,7 @@
           <a:p>
             <a:fld id="{7246F727-76E0-4741-A660-AFB953E7A765}" type="datetimeFigureOut">
               <a:rPr lang="en-GB" smtClean="0"/>
-              <a:t>27/09/2014</a:t>
+              <a:t>19/10/2014</a:t>
             </a:fld>
             <a:endParaRPr lang="en-GB"/>
           </a:p>
@@ -1342,7 +1342,7 @@
           <a:p>
             <a:fld id="{7246F727-76E0-4741-A660-AFB953E7A765}" type="datetimeFigureOut">
               <a:rPr lang="en-GB" smtClean="0"/>
-              <a:t>27/09/2014</a:t>
+              <a:t>19/10/2014</a:t>
             </a:fld>
             <a:endParaRPr lang="en-GB"/>
           </a:p>
@@ -1764,7 +1764,7 @@
           <a:p>
             <a:fld id="{7246F727-76E0-4741-A660-AFB953E7A765}" type="datetimeFigureOut">
               <a:rPr lang="en-GB" smtClean="0"/>
-              <a:t>27/09/2014</a:t>
+              <a:t>19/10/2014</a:t>
             </a:fld>
             <a:endParaRPr lang="en-GB"/>
           </a:p>
@@ -1882,7 +1882,7 @@
           <a:p>
             <a:fld id="{7246F727-76E0-4741-A660-AFB953E7A765}" type="datetimeFigureOut">
               <a:rPr lang="en-GB" smtClean="0"/>
-              <a:t>27/09/2014</a:t>
+              <a:t>19/10/2014</a:t>
             </a:fld>
             <a:endParaRPr lang="en-GB"/>
           </a:p>
@@ -1977,7 +1977,7 @@
           <a:p>
             <a:fld id="{7246F727-76E0-4741-A660-AFB953E7A765}" type="datetimeFigureOut">
               <a:rPr lang="en-GB" smtClean="0"/>
-              <a:t>27/09/2014</a:t>
+              <a:t>19/10/2014</a:t>
             </a:fld>
             <a:endParaRPr lang="en-GB"/>
           </a:p>
@@ -2254,7 +2254,7 @@
           <a:p>
             <a:fld id="{7246F727-76E0-4741-A660-AFB953E7A765}" type="datetimeFigureOut">
               <a:rPr lang="en-GB" smtClean="0"/>
-              <a:t>27/09/2014</a:t>
+              <a:t>19/10/2014</a:t>
             </a:fld>
             <a:endParaRPr lang="en-GB"/>
           </a:p>
@@ -2507,7 +2507,7 @@
           <a:p>
             <a:fld id="{7246F727-76E0-4741-A660-AFB953E7A765}" type="datetimeFigureOut">
               <a:rPr lang="en-GB" smtClean="0"/>
-              <a:t>27/09/2014</a:t>
+              <a:t>19/10/2014</a:t>
             </a:fld>
             <a:endParaRPr lang="en-GB"/>
           </a:p>
@@ -2720,7 +2720,7 @@
           <a:p>
             <a:fld id="{7246F727-76E0-4741-A660-AFB953E7A765}" type="datetimeFigureOut">
               <a:rPr lang="en-GB" smtClean="0"/>
-              <a:t>27/09/2014</a:t>
+              <a:t>19/10/2014</a:t>
             </a:fld>
             <a:endParaRPr lang="en-GB"/>
           </a:p>
@@ -4227,6 +4227,42 @@
           </a:p>
         </p:txBody>
       </p:sp>
+      <p:cxnSp>
+        <p:nvCxnSpPr>
+          <p:cNvPr id="3" name="Straight Arrow Connector 2"/>
+          <p:cNvCxnSpPr/>
+          <p:nvPr/>
+        </p:nvCxnSpPr>
+        <p:spPr>
+          <a:xfrm rot="-2400000">
+            <a:off x="4345719" y="3298071"/>
+            <a:ext cx="0" cy="936000"/>
+          </a:xfrm>
+          <a:prstGeom prst="straightConnector1">
+            <a:avLst/>
+          </a:prstGeom>
+          <a:ln w="38100">
+            <a:solidFill>
+              <a:schemeClr val="tx1"/>
+            </a:solidFill>
+            <a:tailEnd type="arrow"/>
+          </a:ln>
+        </p:spPr>
+        <p:style>
+          <a:lnRef idx="1">
+            <a:schemeClr val="accent1"/>
+          </a:lnRef>
+          <a:fillRef idx="0">
+            <a:schemeClr val="accent1"/>
+          </a:fillRef>
+          <a:effectRef idx="0">
+            <a:schemeClr val="accent1"/>
+          </a:effectRef>
+          <a:fontRef idx="minor">
+            <a:schemeClr val="tx1"/>
+          </a:fontRef>
+        </p:style>
+      </p:cxnSp>
     </p:spTree>
     <p:extLst>
       <p:ext uri="{BB962C8B-B14F-4D97-AF65-F5344CB8AC3E}">
